--- a/Offensive Security Tactics for Linux Professionals - Linux Privilege Escalation.pptx
+++ b/Offensive Security Tactics for Linux Professionals - Linux Privilege Escalation.pptx
@@ -7,6 +7,16 @@
   <p:sldIdLst>
     <p:sldId id="256" r:id="rId2"/>
     <p:sldId id="257" r:id="rId3"/>
+    <p:sldId id="258" r:id="rId4"/>
+    <p:sldId id="259" r:id="rId5"/>
+    <p:sldId id="260" r:id="rId6"/>
+    <p:sldId id="261" r:id="rId7"/>
+    <p:sldId id="262" r:id="rId8"/>
+    <p:sldId id="263" r:id="rId9"/>
+    <p:sldId id="264" r:id="rId10"/>
+    <p:sldId id="265" r:id="rId11"/>
+    <p:sldId id="266" r:id="rId12"/>
+    <p:sldId id="267" r:id="rId13"/>
   </p:sldIdLst>
   <p:sldSz cx="12192000" cy="6858000"/>
   <p:notesSz cx="6858000" cy="9144000"/>
@@ -105,6 +115,11 @@
       </a:defRPr>
     </a:lvl9pPr>
   </p:defaultTextStyle>
+  <p:extLst>
+    <p:ext uri="{EFAFB233-063F-42B5-8137-9DF3F51BA10A}">
+      <p15:sldGuideLst xmlns:p15="http://schemas.microsoft.com/office/powerpoint/2012/main"/>
+    </p:ext>
+  </p:extLst>
 </p:presentation>
 </file>
 
@@ -436,7 +451,7 @@
             <a:pPr algn="l"/>
             <a:fld id="{0DCFB061-4267-4D9F-8017-6F550D3068DF}" type="datetime1">
               <a:rPr lang="en-US" smtClean="0"/>
-              <a:t>10/14/2021</a:t>
+              <a:t>12/24/2021</a:t>
             </a:fld>
             <a:endParaRPr lang="en-US" dirty="0"/>
           </a:p>
@@ -629,7 +644,7 @@
           <a:p>
             <a:fld id="{8141BC61-5547-4A60-8DA1-6699760D9972}" type="datetime1">
               <a:rPr lang="en-US" smtClean="0"/>
-              <a:t>10/14/2021</a:t>
+              <a:t>12/24/2021</a:t>
             </a:fld>
             <a:endParaRPr lang="en-US" dirty="0"/>
           </a:p>
@@ -814,7 +829,7 @@
           <a:p>
             <a:fld id="{24B9D1C6-60D0-4CD1-8F31-F912522EB041}" type="datetime1">
               <a:rPr lang="en-US" smtClean="0"/>
-              <a:t>10/14/2021</a:t>
+              <a:t>12/24/2021</a:t>
             </a:fld>
             <a:endParaRPr lang="en-US" dirty="0"/>
           </a:p>
@@ -1043,7 +1058,7 @@
           <a:p>
             <a:fld id="{47A4ED5C-5A53-433E-8A55-46F54CE81DA5}" type="datetime1">
               <a:rPr lang="en-US" smtClean="0"/>
-              <a:t>10/14/2021</a:t>
+              <a:t>12/24/2021</a:t>
             </a:fld>
             <a:endParaRPr lang="en-US" dirty="0"/>
           </a:p>
@@ -1370,7 +1385,7 @@
           <a:p>
             <a:fld id="{29CABC0C-B6DF-45E9-B954-11C99AA62C3E}" type="datetime1">
               <a:rPr lang="en-US" smtClean="0"/>
-              <a:t>10/14/2021</a:t>
+              <a:t>12/24/2021</a:t>
             </a:fld>
             <a:endParaRPr lang="en-US" dirty="0"/>
           </a:p>
@@ -1666,7 +1681,7 @@
           <a:p>
             <a:fld id="{A4AB71B9-2624-4F21-93EE-35A78B1A0DAD}" type="datetime1">
               <a:rPr lang="en-US" smtClean="0"/>
-              <a:t>10/14/2021</a:t>
+              <a:t>12/24/2021</a:t>
             </a:fld>
             <a:endParaRPr lang="en-US" dirty="0"/>
           </a:p>
@@ -2087,7 +2102,7 @@
           <a:p>
             <a:fld id="{36D37C2A-BE2E-4840-A907-3254E2916C96}" type="datetime1">
               <a:rPr lang="en-US" smtClean="0"/>
-              <a:t>10/14/2021</a:t>
+              <a:t>12/24/2021</a:t>
             </a:fld>
             <a:endParaRPr lang="en-US" dirty="0"/>
           </a:p>
@@ -2285,7 +2300,7 @@
           <a:p>
             <a:fld id="{005CD215-1C45-48A0-8534-39FFE8A7C95A}" type="datetime1">
               <a:rPr lang="en-US" smtClean="0"/>
-              <a:t>10/14/2021</a:t>
+              <a:t>12/24/2021</a:t>
             </a:fld>
             <a:endParaRPr lang="en-US" dirty="0"/>
           </a:p>
@@ -2394,7 +2409,7 @@
           <a:p>
             <a:fld id="{D3363A0F-DEF3-4134-98D0-2E1276938A8B}" type="datetime1">
               <a:rPr lang="en-US" smtClean="0"/>
-              <a:t>10/14/2021</a:t>
+              <a:t>12/24/2021</a:t>
             </a:fld>
             <a:endParaRPr lang="en-US" dirty="0"/>
           </a:p>
@@ -2815,7 +2830,7 @@
           <a:p>
             <a:fld id="{61A2E4C8-2960-4ADD-862C-4D9643CB15AC}" type="datetime1">
               <a:rPr lang="en-US" smtClean="0"/>
-              <a:t>10/14/2021</a:t>
+              <a:t>12/24/2021</a:t>
             </a:fld>
             <a:endParaRPr lang="en-US" dirty="0"/>
           </a:p>
@@ -3168,7 +3183,7 @@
           <a:p>
             <a:fld id="{48BDEA15-09CD-4275-A8E0-385C965F48B0}" type="datetime1">
               <a:rPr lang="en-US" smtClean="0"/>
-              <a:t>10/14/2021</a:t>
+              <a:t>12/24/2021</a:t>
             </a:fld>
             <a:endParaRPr lang="en-US" dirty="0"/>
           </a:p>
@@ -3473,7 +3488,7 @@
           <a:p>
             <a:fld id="{4AF8082C-0922-4249-A612-B415F5231620}" type="datetime1">
               <a:rPr lang="en-US" smtClean="0"/>
-              <a:t>10/14/2021</a:t>
+              <a:t>12/24/2021</a:t>
             </a:fld>
             <a:endParaRPr lang="en-US" dirty="0"/>
           </a:p>
@@ -3972,7 +3987,7 @@
       </p:grpSpPr>
       <p:sp useBgFill="1">
         <p:nvSpPr>
-          <p:cNvPr id="135" name="Rectangle 134">
+          <p:cNvPr id="88" name="Rectangle 87">
             <a:extLst>
               <a:ext uri="{FF2B5EF4-FFF2-40B4-BE49-F238E27FC236}">
                 <a16:creationId xmlns:a16="http://schemas.microsoft.com/office/drawing/2014/main" id="{B725BC23-E0DD-4037-B2B8-7B6FA64543FB}"/>
@@ -4032,7 +4047,7 @@
       </p:sp>
       <p:sp>
         <p:nvSpPr>
-          <p:cNvPr id="137" name="Rectangle 136">
+          <p:cNvPr id="90" name="Rectangle 89">
             <a:extLst>
               <a:ext uri="{FF2B5EF4-FFF2-40B4-BE49-F238E27FC236}">
                 <a16:creationId xmlns:a16="http://schemas.microsoft.com/office/drawing/2014/main" id="{199EE120-2D35-4A48-BAAE-238F986A13DC}"/>
@@ -4095,30 +4110,24 @@
       </p:sp>
       <p:pic>
         <p:nvPicPr>
-          <p:cNvPr id="1026" name="Picture 2" descr="anonymous, marks, question, suit, HD wallpaper">
+          <p:cNvPr id="5" name="Picture 4">
             <a:extLst>
               <a:ext uri="{FF2B5EF4-FFF2-40B4-BE49-F238E27FC236}">
-                <a16:creationId xmlns:a16="http://schemas.microsoft.com/office/drawing/2014/main" id="{85B60C09-8474-422F-8AB5-4295CC32D191}"/>
+                <a16:creationId xmlns:a16="http://schemas.microsoft.com/office/drawing/2014/main" id="{45DD174B-C136-422F-BBA6-2915D4237237}"/>
               </a:ext>
             </a:extLst>
           </p:cNvPr>
           <p:cNvPicPr>
-            <a:picLocks noChangeAspect="1" noChangeArrowheads="1"/>
+            <a:picLocks noChangeAspect="1"/>
           </p:cNvPicPr>
           <p:nvPr/>
         </p:nvPicPr>
         <p:blipFill rotWithShape="1">
-          <a:blip r:embed="rId2">
-            <a:extLst>
-              <a:ext uri="{28A0092B-C50C-407E-A947-70E740481C1C}">
-                <a14:useLocalDpi xmlns:a14="http://schemas.microsoft.com/office/drawing/2010/main" val="0"/>
-              </a:ext>
-            </a:extLst>
-          </a:blip>
-          <a:srcRect l="17415" r="18528" b="-1"/>
+          <a:blip r:embed="rId2"/>
+          <a:srcRect r="3" b="15603"/>
           <a:stretch/>
         </p:blipFill>
-        <p:spPr bwMode="auto">
+        <p:spPr>
           <a:xfrm>
             <a:off x="20" y="1804072"/>
             <a:ext cx="4458058" cy="4349801"/>
@@ -4126,21 +4135,11 @@
           <a:prstGeom prst="rect">
             <a:avLst/>
           </a:prstGeom>
-          <a:noFill/>
-          <a:extLst>
-            <a:ext uri="{909E8E84-426E-40DD-AFC4-6F175D3DCCD1}">
-              <a14:hiddenFill xmlns:a14="http://schemas.microsoft.com/office/drawing/2010/main">
-                <a:solidFill>
-                  <a:srgbClr val="FFFFFF"/>
-                </a:solidFill>
-              </a14:hiddenFill>
-            </a:ext>
-          </a:extLst>
         </p:spPr>
       </p:pic>
       <p:sp>
         <p:nvSpPr>
-          <p:cNvPr id="139" name="Rectangle 138">
+          <p:cNvPr id="92" name="Rectangle 91">
             <a:extLst>
               <a:ext uri="{FF2B5EF4-FFF2-40B4-BE49-F238E27FC236}">
                 <a16:creationId xmlns:a16="http://schemas.microsoft.com/office/drawing/2014/main" id="{552F9EAC-0C70-441C-AC78-65174C285730}"/>
@@ -4231,13 +4230,13 @@
           </a:bodyPr>
           <a:lstStyle/>
           <a:p>
-            <a:pPr>
+            <a:pPr algn="ctr">
               <a:lnSpc>
                 <a:spcPct val="115000"/>
               </a:lnSpc>
             </a:pPr>
             <a:r>
-              <a:rPr lang="en-GB" sz="5100"/>
+              <a:rPr lang="en-GB" sz="5100" dirty="0"/>
               <a:t>Linux Privilege Escalation</a:t>
             </a:r>
           </a:p>
@@ -4271,8 +4270,9 @@
           </a:bodyPr>
           <a:lstStyle/>
           <a:p>
-            <a:r>
-              <a:rPr lang="en-GB"/>
+            <a:pPr algn="ctr"/>
+            <a:r>
+              <a:rPr lang="en-GB" dirty="0"/>
               <a:t>Aqeeb Hussain - DiRAC</a:t>
             </a:r>
           </a:p>
@@ -4280,7 +4280,7 @@
       </p:sp>
       <p:sp>
         <p:nvSpPr>
-          <p:cNvPr id="141" name="Rectangle 140">
+          <p:cNvPr id="94" name="Rectangle 93">
             <a:extLst>
               <a:ext uri="{FF2B5EF4-FFF2-40B4-BE49-F238E27FC236}">
                 <a16:creationId xmlns:a16="http://schemas.microsoft.com/office/drawing/2014/main" id="{0D48F6B8-EF56-4340-982E-F4D6F5DC2F57}"/>
@@ -4343,7 +4343,7 @@
       </p:sp>
       <p:sp>
         <p:nvSpPr>
-          <p:cNvPr id="143" name="Rectangle 142">
+          <p:cNvPr id="96" name="Rectangle 95">
             <a:extLst>
               <a:ext uri="{FF2B5EF4-FFF2-40B4-BE49-F238E27FC236}">
                 <a16:creationId xmlns:a16="http://schemas.microsoft.com/office/drawing/2014/main" id="{AC596C40-FEA6-4867-853D-CF37DE3B6BF3}"/>
@@ -4408,7 +4408,7 @@
       </p:sp>
       <p:sp>
         <p:nvSpPr>
-          <p:cNvPr id="145" name="Rectangle 144">
+          <p:cNvPr id="98" name="Rectangle 97">
             <a:extLst>
               <a:ext uri="{FF2B5EF4-FFF2-40B4-BE49-F238E27FC236}">
                 <a16:creationId xmlns:a16="http://schemas.microsoft.com/office/drawing/2014/main" id="{9DC7C5E2-274E-49A3-A8E0-46A5B8CAC3D4}"/>
@@ -4471,7 +4471,7 @@
       </p:sp>
       <p:sp>
         <p:nvSpPr>
-          <p:cNvPr id="147" name="Rectangle 146">
+          <p:cNvPr id="100" name="Rectangle 99">
             <a:extLst>
               <a:ext uri="{FF2B5EF4-FFF2-40B4-BE49-F238E27FC236}">
                 <a16:creationId xmlns:a16="http://schemas.microsoft.com/office/drawing/2014/main" id="{D6CF8D2C-9E01-48EC-8DDF-8A1FF60AED22}"/>
@@ -4684,6 +4684,403 @@
 </p:sld>
 </file>
 
+<file path=ppt/slides/slide10.xml><?xml version="1.0" encoding="utf-8"?>
+<p:sld xmlns:a="http://schemas.openxmlformats.org/drawingml/2006/main" xmlns:r="http://schemas.openxmlformats.org/officeDocument/2006/relationships" xmlns:p="http://schemas.openxmlformats.org/presentationml/2006/main">
+  <p:cSld>
+    <p:spTree>
+      <p:nvGrpSpPr>
+        <p:cNvPr id="1" name=""/>
+        <p:cNvGrpSpPr/>
+        <p:nvPr/>
+      </p:nvGrpSpPr>
+      <p:grpSpPr>
+        <a:xfrm>
+          <a:off x="0" y="0"/>
+          <a:ext cx="0" cy="0"/>
+          <a:chOff x="0" y="0"/>
+          <a:chExt cx="0" cy="0"/>
+        </a:xfrm>
+      </p:grpSpPr>
+      <p:sp>
+        <p:nvSpPr>
+          <p:cNvPr id="2" name="Title 1">
+            <a:extLst>
+              <a:ext uri="{FF2B5EF4-FFF2-40B4-BE49-F238E27FC236}">
+                <a16:creationId xmlns:a16="http://schemas.microsoft.com/office/drawing/2014/main" id="{6906B749-9645-46C6-AE9F-793B15484A8D}"/>
+              </a:ext>
+            </a:extLst>
+          </p:cNvPr>
+          <p:cNvSpPr>
+            <a:spLocks noGrp="1"/>
+          </p:cNvSpPr>
+          <p:nvPr>
+            <p:ph type="title"/>
+          </p:nvPr>
+        </p:nvSpPr>
+        <p:spPr/>
+        <p:txBody>
+          <a:bodyPr/>
+          <a:lstStyle/>
+          <a:p>
+            <a:pPr algn="ctr"/>
+            <a:r>
+              <a:rPr lang="en-GB" dirty="0"/>
+              <a:t>Root Access via SSH (Password Crack)</a:t>
+            </a:r>
+          </a:p>
+        </p:txBody>
+      </p:sp>
+      <p:sp>
+        <p:nvSpPr>
+          <p:cNvPr id="3" name="Content Placeholder 2">
+            <a:extLst>
+              <a:ext uri="{FF2B5EF4-FFF2-40B4-BE49-F238E27FC236}">
+                <a16:creationId xmlns:a16="http://schemas.microsoft.com/office/drawing/2014/main" id="{DAE8083B-D408-45DA-8EF1-246E2C1E8598}"/>
+              </a:ext>
+            </a:extLst>
+          </p:cNvPr>
+          <p:cNvSpPr>
+            <a:spLocks noGrp="1"/>
+          </p:cNvSpPr>
+          <p:nvPr>
+            <p:ph idx="1"/>
+          </p:nvPr>
+        </p:nvSpPr>
+        <p:spPr/>
+        <p:txBody>
+          <a:bodyPr>
+            <a:noAutofit/>
+          </a:bodyPr>
+          <a:lstStyle/>
+          <a:p>
+            <a:pPr marL="285750" indent="-285750">
+              <a:buFont typeface="Arial" panose="020B0604020202020204" pitchFamily="34" charset="0"/>
+              <a:buChar char="•"/>
+            </a:pPr>
+            <a:r>
+              <a:rPr lang="en-GB" dirty="0">
+                <a:solidFill>
+                  <a:schemeClr val="tx1"/>
+                </a:solidFill>
+              </a:rPr>
+              <a:t>If you have gained initial access to the system via default/exposed credentials, you can make use of a wordlist</a:t>
+            </a:r>
+          </a:p>
+          <a:p>
+            <a:pPr marL="285750" indent="-285750">
+              <a:buFont typeface="Arial" panose="020B0604020202020204" pitchFamily="34" charset="0"/>
+              <a:buChar char="•"/>
+            </a:pPr>
+            <a:endParaRPr lang="en-GB" dirty="0">
+              <a:solidFill>
+                <a:schemeClr val="tx1"/>
+              </a:solidFill>
+            </a:endParaRPr>
+          </a:p>
+          <a:p>
+            <a:pPr marL="285750" indent="-285750">
+              <a:buFont typeface="Arial" panose="020B0604020202020204" pitchFamily="34" charset="0"/>
+              <a:buChar char="•"/>
+            </a:pPr>
+            <a:r>
+              <a:rPr lang="en-GB" dirty="0">
+                <a:solidFill>
+                  <a:schemeClr val="tx1"/>
+                </a:solidFill>
+              </a:rPr>
+              <a:t>A network system which allows root login within an internal network can be used with this wordlist to perform password cracks</a:t>
+            </a:r>
+          </a:p>
+          <a:p>
+            <a:pPr marL="285750" indent="-285750">
+              <a:buFont typeface="Arial" panose="020B0604020202020204" pitchFamily="34" charset="0"/>
+              <a:buChar char="•"/>
+            </a:pPr>
+            <a:endParaRPr lang="en-GB" dirty="0">
+              <a:solidFill>
+                <a:schemeClr val="tx1"/>
+              </a:solidFill>
+            </a:endParaRPr>
+          </a:p>
+          <a:p>
+            <a:pPr marL="285750" indent="-285750">
+              <a:buFont typeface="Arial" panose="020B0604020202020204" pitchFamily="34" charset="0"/>
+              <a:buChar char="•"/>
+            </a:pPr>
+            <a:r>
+              <a:rPr lang="en-GB" dirty="0">
+                <a:solidFill>
+                  <a:schemeClr val="tx1"/>
+                </a:solidFill>
+              </a:rPr>
+              <a:t>Tools such as Python or Hydra can be used which can be deployed within the internal network or using a SOCKS proxy</a:t>
+            </a:r>
+          </a:p>
+        </p:txBody>
+      </p:sp>
+    </p:spTree>
+    <p:extLst>
+      <p:ext uri="{BB962C8B-B14F-4D97-AF65-F5344CB8AC3E}">
+        <p14:creationId xmlns:p14="http://schemas.microsoft.com/office/powerpoint/2010/main" val="2456142307"/>
+      </p:ext>
+    </p:extLst>
+  </p:cSld>
+  <p:clrMapOvr>
+    <a:masterClrMapping/>
+  </p:clrMapOvr>
+</p:sld>
+</file>
+
+<file path=ppt/slides/slide11.xml><?xml version="1.0" encoding="utf-8"?>
+<p:sld xmlns:a="http://schemas.openxmlformats.org/drawingml/2006/main" xmlns:r="http://schemas.openxmlformats.org/officeDocument/2006/relationships" xmlns:p="http://schemas.openxmlformats.org/presentationml/2006/main">
+  <p:cSld>
+    <p:spTree>
+      <p:nvGrpSpPr>
+        <p:cNvPr id="1" name=""/>
+        <p:cNvGrpSpPr/>
+        <p:nvPr/>
+      </p:nvGrpSpPr>
+      <p:grpSpPr>
+        <a:xfrm>
+          <a:off x="0" y="0"/>
+          <a:ext cx="0" cy="0"/>
+          <a:chOff x="0" y="0"/>
+          <a:chExt cx="0" cy="0"/>
+        </a:xfrm>
+      </p:grpSpPr>
+      <p:sp>
+        <p:nvSpPr>
+          <p:cNvPr id="2" name="Title 1">
+            <a:extLst>
+              <a:ext uri="{FF2B5EF4-FFF2-40B4-BE49-F238E27FC236}">
+                <a16:creationId xmlns:a16="http://schemas.microsoft.com/office/drawing/2014/main" id="{07794E38-449F-4D82-9758-8C7B6A185659}"/>
+              </a:ext>
+            </a:extLst>
+          </p:cNvPr>
+          <p:cNvSpPr>
+            <a:spLocks noGrp="1"/>
+          </p:cNvSpPr>
+          <p:nvPr>
+            <p:ph type="title"/>
+          </p:nvPr>
+        </p:nvSpPr>
+        <p:spPr/>
+        <p:txBody>
+          <a:bodyPr/>
+          <a:lstStyle/>
+          <a:p>
+            <a:pPr algn="ctr"/>
+            <a:r>
+              <a:rPr lang="en-GB" dirty="0"/>
+              <a:t>Lack of patching</a:t>
+            </a:r>
+          </a:p>
+        </p:txBody>
+      </p:sp>
+      <p:sp>
+        <p:nvSpPr>
+          <p:cNvPr id="3" name="Content Placeholder 2">
+            <a:extLst>
+              <a:ext uri="{FF2B5EF4-FFF2-40B4-BE49-F238E27FC236}">
+                <a16:creationId xmlns:a16="http://schemas.microsoft.com/office/drawing/2014/main" id="{C5103436-E764-4872-B967-5E996068A7B2}"/>
+              </a:ext>
+            </a:extLst>
+          </p:cNvPr>
+          <p:cNvSpPr>
+            <a:spLocks noGrp="1"/>
+          </p:cNvSpPr>
+          <p:nvPr>
+            <p:ph idx="1"/>
+          </p:nvPr>
+        </p:nvSpPr>
+        <p:spPr/>
+        <p:txBody>
+          <a:bodyPr/>
+          <a:lstStyle/>
+          <a:p>
+            <a:pPr marL="285750" indent="-285750">
+              <a:buFont typeface="Arial" panose="020B0604020202020204" pitchFamily="34" charset="0"/>
+              <a:buChar char="•"/>
+            </a:pPr>
+            <a:r>
+              <a:rPr lang="en-GB" dirty="0">
+                <a:solidFill>
+                  <a:schemeClr val="tx1"/>
+                </a:solidFill>
+              </a:rPr>
+              <a:t>In certain Linux networks, patching can be at its best.</a:t>
+            </a:r>
+          </a:p>
+          <a:p>
+            <a:pPr marL="285750" indent="-285750">
+              <a:buFont typeface="Arial" panose="020B0604020202020204" pitchFamily="34" charset="0"/>
+              <a:buChar char="•"/>
+            </a:pPr>
+            <a:endParaRPr lang="en-GB" dirty="0">
+              <a:solidFill>
+                <a:schemeClr val="tx1"/>
+              </a:solidFill>
+            </a:endParaRPr>
+          </a:p>
+          <a:p>
+            <a:pPr marL="285750" indent="-285750">
+              <a:buFont typeface="Arial" panose="020B0604020202020204" pitchFamily="34" charset="0"/>
+              <a:buChar char="•"/>
+            </a:pPr>
+            <a:r>
+              <a:rPr lang="en-GB" dirty="0">
+                <a:solidFill>
+                  <a:schemeClr val="tx1"/>
+                </a:solidFill>
+              </a:rPr>
+              <a:t>In rare cases where an old server or certain piece of infrastructure is not updated, lack of patching can be leveraged.</a:t>
+            </a:r>
+          </a:p>
+          <a:p>
+            <a:pPr marL="285750" indent="-285750">
+              <a:buFont typeface="Arial" panose="020B0604020202020204" pitchFamily="34" charset="0"/>
+              <a:buChar char="•"/>
+            </a:pPr>
+            <a:endParaRPr lang="en-GB" dirty="0">
+              <a:solidFill>
+                <a:schemeClr val="tx1"/>
+              </a:solidFill>
+            </a:endParaRPr>
+          </a:p>
+          <a:p>
+            <a:pPr marL="285750" indent="-285750">
+              <a:buFont typeface="Arial" panose="020B0604020202020204" pitchFamily="34" charset="0"/>
+              <a:buChar char="•"/>
+            </a:pPr>
+            <a:r>
+              <a:rPr lang="en-GB" dirty="0">
+                <a:solidFill>
+                  <a:schemeClr val="tx1"/>
+                </a:solidFill>
+              </a:rPr>
+              <a:t>Patching flaws can also apply to discovered zero-days which have not yet been patched.</a:t>
+            </a:r>
+          </a:p>
+        </p:txBody>
+      </p:sp>
+    </p:spTree>
+    <p:extLst>
+      <p:ext uri="{BB962C8B-B14F-4D97-AF65-F5344CB8AC3E}">
+        <p14:creationId xmlns:p14="http://schemas.microsoft.com/office/powerpoint/2010/main" val="4121209824"/>
+      </p:ext>
+    </p:extLst>
+  </p:cSld>
+  <p:clrMapOvr>
+    <a:masterClrMapping/>
+  </p:clrMapOvr>
+</p:sld>
+</file>
+
+<file path=ppt/slides/slide12.xml><?xml version="1.0" encoding="utf-8"?>
+<p:sld xmlns:a="http://schemas.openxmlformats.org/drawingml/2006/main" xmlns:r="http://schemas.openxmlformats.org/officeDocument/2006/relationships" xmlns:p="http://schemas.openxmlformats.org/presentationml/2006/main">
+  <p:cSld>
+    <p:spTree>
+      <p:nvGrpSpPr>
+        <p:cNvPr id="1" name=""/>
+        <p:cNvGrpSpPr/>
+        <p:nvPr/>
+      </p:nvGrpSpPr>
+      <p:grpSpPr>
+        <a:xfrm>
+          <a:off x="0" y="0"/>
+          <a:ext cx="0" cy="0"/>
+          <a:chOff x="0" y="0"/>
+          <a:chExt cx="0" cy="0"/>
+        </a:xfrm>
+      </p:grpSpPr>
+      <p:sp>
+        <p:nvSpPr>
+          <p:cNvPr id="2" name="Title 1">
+            <a:extLst>
+              <a:ext uri="{FF2B5EF4-FFF2-40B4-BE49-F238E27FC236}">
+                <a16:creationId xmlns:a16="http://schemas.microsoft.com/office/drawing/2014/main" id="{EC879A1E-50CF-4AA1-B0AD-30603FFB4EEE}"/>
+              </a:ext>
+            </a:extLst>
+          </p:cNvPr>
+          <p:cNvSpPr>
+            <a:spLocks noGrp="1"/>
+          </p:cNvSpPr>
+          <p:nvPr>
+            <p:ph type="title"/>
+          </p:nvPr>
+        </p:nvSpPr>
+        <p:spPr>
+          <a:xfrm>
+            <a:off x="642918" y="705113"/>
+            <a:ext cx="3609486" cy="5197498"/>
+          </a:xfrm>
+        </p:spPr>
+        <p:txBody>
+          <a:bodyPr/>
+          <a:lstStyle/>
+          <a:p>
+            <a:pPr algn="ctr"/>
+            <a:r>
+              <a:rPr lang="en-GB" dirty="0"/>
+              <a:t>Enumerating users</a:t>
+            </a:r>
+          </a:p>
+        </p:txBody>
+      </p:sp>
+      <p:sp>
+        <p:nvSpPr>
+          <p:cNvPr id="3" name="Content Placeholder 2">
+            <a:extLst>
+              <a:ext uri="{FF2B5EF4-FFF2-40B4-BE49-F238E27FC236}">
+                <a16:creationId xmlns:a16="http://schemas.microsoft.com/office/drawing/2014/main" id="{9F2DDD45-63E8-4DE9-9D73-1F2F03AEC5D7}"/>
+              </a:ext>
+            </a:extLst>
+          </p:cNvPr>
+          <p:cNvSpPr>
+            <a:spLocks noGrp="1"/>
+          </p:cNvSpPr>
+          <p:nvPr>
+            <p:ph idx="1"/>
+          </p:nvPr>
+        </p:nvSpPr>
+        <p:spPr>
+          <a:xfrm>
+            <a:off x="5376670" y="705114"/>
+            <a:ext cx="6172412" cy="5197497"/>
+          </a:xfrm>
+        </p:spPr>
+        <p:txBody>
+          <a:bodyPr/>
+          <a:lstStyle/>
+          <a:p>
+            <a:pPr marL="285750" indent="-285750">
+              <a:buFont typeface="Arial" panose="020B0604020202020204" pitchFamily="34" charset="0"/>
+              <a:buChar char="•"/>
+            </a:pPr>
+            <a:r>
+              <a:rPr lang="en-GB" dirty="0">
+                <a:solidFill>
+                  <a:schemeClr val="tx1"/>
+                </a:solidFill>
+              </a:rPr>
+              <a:t>Checking /etc/passwd upon entry. Lets see which users</a:t>
+            </a:r>
+          </a:p>
+        </p:txBody>
+      </p:sp>
+    </p:spTree>
+    <p:extLst>
+      <p:ext uri="{BB962C8B-B14F-4D97-AF65-F5344CB8AC3E}">
+        <p14:creationId xmlns:p14="http://schemas.microsoft.com/office/powerpoint/2010/main" val="1606959942"/>
+      </p:ext>
+    </p:extLst>
+  </p:cSld>
+  <p:clrMapOvr>
+    <a:masterClrMapping/>
+  </p:clrMapOvr>
+</p:sld>
+</file>
+
 <file path=ppt/slides/slide2.xml><?xml version="1.0" encoding="utf-8"?>
 <p:sld xmlns:a="http://schemas.openxmlformats.org/drawingml/2006/main" xmlns:r="http://schemas.openxmlformats.org/officeDocument/2006/relationships" xmlns:p="http://schemas.openxmlformats.org/presentationml/2006/main">
   <p:cSld>
@@ -4757,11 +5154,41 @@
             </a:pPr>
             <a:r>
               <a:rPr lang="en-GB" dirty="0"/>
-              <a:t>Escalating privileges from a </a:t>
-            </a:r>
-            <a:r>
-              <a:rPr lang="en-GB"/>
-              <a:t>limited environment (User Shell)</a:t>
+              <a:t>Escalating privileges from a user shell to gain root access to the file system</a:t>
+            </a:r>
+          </a:p>
+          <a:p>
+            <a:pPr marL="285750" indent="-285750">
+              <a:buFont typeface="Arial" panose="020B0604020202020204" pitchFamily="34" charset="0"/>
+              <a:buChar char="•"/>
+            </a:pPr>
+            <a:endParaRPr lang="en-GB" dirty="0"/>
+          </a:p>
+          <a:p>
+            <a:pPr marL="285750" indent="-285750">
+              <a:buFont typeface="Arial" panose="020B0604020202020204" pitchFamily="34" charset="0"/>
+              <a:buChar char="•"/>
+            </a:pPr>
+            <a:r>
+              <a:rPr lang="en-GB" dirty="0"/>
+              <a:t>Leveraging a vulnerability within the target operating system which will allow for higher/full access to the file system</a:t>
+            </a:r>
+          </a:p>
+          <a:p>
+            <a:pPr marL="285750" indent="-285750">
+              <a:buFont typeface="Arial" panose="020B0604020202020204" pitchFamily="34" charset="0"/>
+              <a:buChar char="•"/>
+            </a:pPr>
+            <a:endParaRPr lang="en-GB" dirty="0"/>
+          </a:p>
+          <a:p>
+            <a:pPr marL="285750" indent="-285750">
+              <a:buFont typeface="Arial" panose="020B0604020202020204" pitchFamily="34" charset="0"/>
+              <a:buChar char="•"/>
+            </a:pPr>
+            <a:r>
+              <a:rPr lang="en-GB" dirty="0"/>
+              <a:t>The next step in an internal test once the beachhead has been secured with persistent access.</a:t>
             </a:r>
           </a:p>
         </p:txBody>
@@ -4770,6 +5197,968 @@
     <p:extLst>
       <p:ext uri="{BB962C8B-B14F-4D97-AF65-F5344CB8AC3E}">
         <p14:creationId xmlns:p14="http://schemas.microsoft.com/office/powerpoint/2010/main" val="456060091"/>
+      </p:ext>
+    </p:extLst>
+  </p:cSld>
+  <p:clrMapOvr>
+    <a:masterClrMapping/>
+  </p:clrMapOvr>
+</p:sld>
+</file>
+
+<file path=ppt/slides/slide3.xml><?xml version="1.0" encoding="utf-8"?>
+<p:sld xmlns:a="http://schemas.openxmlformats.org/drawingml/2006/main" xmlns:r="http://schemas.openxmlformats.org/officeDocument/2006/relationships" xmlns:p="http://schemas.openxmlformats.org/presentationml/2006/main">
+  <p:cSld>
+    <p:spTree>
+      <p:nvGrpSpPr>
+        <p:cNvPr id="1" name=""/>
+        <p:cNvGrpSpPr/>
+        <p:nvPr/>
+      </p:nvGrpSpPr>
+      <p:grpSpPr>
+        <a:xfrm>
+          <a:off x="0" y="0"/>
+          <a:ext cx="0" cy="0"/>
+          <a:chOff x="0" y="0"/>
+          <a:chExt cx="0" cy="0"/>
+        </a:xfrm>
+      </p:grpSpPr>
+      <p:sp>
+        <p:nvSpPr>
+          <p:cNvPr id="2" name="Title 1">
+            <a:extLst>
+              <a:ext uri="{FF2B5EF4-FFF2-40B4-BE49-F238E27FC236}">
+                <a16:creationId xmlns:a16="http://schemas.microsoft.com/office/drawing/2014/main" id="{24152DDC-AA16-4F29-8DC3-A8422726CD13}"/>
+              </a:ext>
+            </a:extLst>
+          </p:cNvPr>
+          <p:cNvSpPr>
+            <a:spLocks noGrp="1"/>
+          </p:cNvSpPr>
+          <p:nvPr>
+            <p:ph type="title"/>
+          </p:nvPr>
+        </p:nvSpPr>
+        <p:spPr/>
+        <p:txBody>
+          <a:bodyPr/>
+          <a:lstStyle/>
+          <a:p>
+            <a:pPr algn="ctr"/>
+            <a:r>
+              <a:rPr lang="en-GB" dirty="0"/>
+              <a:t>Privilege Escalation Vectors</a:t>
+            </a:r>
+          </a:p>
+        </p:txBody>
+      </p:sp>
+      <p:sp>
+        <p:nvSpPr>
+          <p:cNvPr id="3" name="Content Placeholder 2">
+            <a:extLst>
+              <a:ext uri="{FF2B5EF4-FFF2-40B4-BE49-F238E27FC236}">
+                <a16:creationId xmlns:a16="http://schemas.microsoft.com/office/drawing/2014/main" id="{77EF42C7-7D01-49EC-8876-A6D1A30B8D8F}"/>
+              </a:ext>
+            </a:extLst>
+          </p:cNvPr>
+          <p:cNvSpPr>
+            <a:spLocks noGrp="1"/>
+          </p:cNvSpPr>
+          <p:nvPr>
+            <p:ph idx="1"/>
+          </p:nvPr>
+        </p:nvSpPr>
+        <p:spPr>
+          <a:xfrm>
+            <a:off x="5376671" y="705113"/>
+            <a:ext cx="6172412" cy="5731198"/>
+          </a:xfrm>
+        </p:spPr>
+        <p:txBody>
+          <a:bodyPr>
+            <a:noAutofit/>
+          </a:bodyPr>
+          <a:lstStyle/>
+          <a:p>
+            <a:pPr marL="285750" indent="-285750">
+              <a:buFont typeface="Arial" panose="020B0604020202020204" pitchFamily="34" charset="0"/>
+              <a:buChar char="•"/>
+            </a:pPr>
+            <a:r>
+              <a:rPr lang="en-GB" sz="2400" dirty="0">
+                <a:latin typeface="Arial" panose="020B0604020202020204" pitchFamily="34" charset="0"/>
+                <a:cs typeface="Arial" panose="020B0604020202020204" pitchFamily="34" charset="0"/>
+              </a:rPr>
+              <a:t>Vulnerable packages</a:t>
+            </a:r>
+          </a:p>
+          <a:p>
+            <a:pPr marL="285750" indent="-285750">
+              <a:buFont typeface="Arial" panose="020B0604020202020204" pitchFamily="34" charset="0"/>
+              <a:buChar char="•"/>
+            </a:pPr>
+            <a:r>
+              <a:rPr lang="en-GB" sz="2400" dirty="0">
+                <a:latin typeface="Arial" panose="020B0604020202020204" pitchFamily="34" charset="0"/>
+                <a:cs typeface="Arial" panose="020B0604020202020204" pitchFamily="34" charset="0"/>
+              </a:rPr>
+              <a:t>Plain-text credentials</a:t>
+            </a:r>
+          </a:p>
+          <a:p>
+            <a:pPr marL="285750" indent="-285750">
+              <a:buFont typeface="Arial" panose="020B0604020202020204" pitchFamily="34" charset="0"/>
+              <a:buChar char="•"/>
+            </a:pPr>
+            <a:r>
+              <a:rPr lang="en-GB" sz="2400" dirty="0">
+                <a:latin typeface="Arial" panose="020B0604020202020204" pitchFamily="34" charset="0"/>
+                <a:cs typeface="Arial" panose="020B0604020202020204" pitchFamily="34" charset="0"/>
+              </a:rPr>
+              <a:t>Misconfigured file permissions to key files (/etc/shadow)</a:t>
+            </a:r>
+          </a:p>
+          <a:p>
+            <a:pPr marL="285750" indent="-285750">
+              <a:buFont typeface="Arial" panose="020B0604020202020204" pitchFamily="34" charset="0"/>
+              <a:buChar char="•"/>
+            </a:pPr>
+            <a:r>
+              <a:rPr lang="en-GB" sz="2400" dirty="0">
+                <a:latin typeface="Arial" panose="020B0604020202020204" pitchFamily="34" charset="0"/>
+                <a:cs typeface="Arial" panose="020B0604020202020204" pitchFamily="34" charset="0"/>
+              </a:rPr>
+              <a:t>Vulnerable/Misconfigured SUID binaries/Groups</a:t>
+            </a:r>
+          </a:p>
+          <a:p>
+            <a:pPr marL="285750" indent="-285750">
+              <a:buFont typeface="Arial" panose="020B0604020202020204" pitchFamily="34" charset="0"/>
+              <a:buChar char="•"/>
+            </a:pPr>
+            <a:r>
+              <a:rPr lang="en-GB" sz="2400" dirty="0">
+                <a:latin typeface="Arial" panose="020B0604020202020204" pitchFamily="34" charset="0"/>
+                <a:cs typeface="Arial" panose="020B0604020202020204" pitchFamily="34" charset="0"/>
+              </a:rPr>
+              <a:t>Root access via SSH (Password crack)</a:t>
+            </a:r>
+          </a:p>
+          <a:p>
+            <a:pPr marL="285750" indent="-285750">
+              <a:buFont typeface="Arial" panose="020B0604020202020204" pitchFamily="34" charset="0"/>
+              <a:buChar char="•"/>
+            </a:pPr>
+            <a:r>
+              <a:rPr lang="en-GB" sz="2400" dirty="0">
+                <a:latin typeface="Arial" panose="020B0604020202020204" pitchFamily="34" charset="0"/>
+                <a:cs typeface="Arial" panose="020B0604020202020204" pitchFamily="34" charset="0"/>
+              </a:rPr>
+              <a:t>Misconfigured Sudo Rules</a:t>
+            </a:r>
+          </a:p>
+          <a:p>
+            <a:pPr marL="285750" indent="-285750">
+              <a:buFont typeface="Arial" panose="020B0604020202020204" pitchFamily="34" charset="0"/>
+              <a:buChar char="•"/>
+            </a:pPr>
+            <a:r>
+              <a:rPr lang="en-GB" sz="2400" dirty="0">
+                <a:latin typeface="Arial" panose="020B0604020202020204" pitchFamily="34" charset="0"/>
+                <a:cs typeface="Arial" panose="020B0604020202020204" pitchFamily="34" charset="0"/>
+              </a:rPr>
+              <a:t>Latest CVE has not been patched</a:t>
+            </a:r>
+          </a:p>
+        </p:txBody>
+      </p:sp>
+    </p:spTree>
+    <p:extLst>
+      <p:ext uri="{BB962C8B-B14F-4D97-AF65-F5344CB8AC3E}">
+        <p14:creationId xmlns:p14="http://schemas.microsoft.com/office/powerpoint/2010/main" val="2933277473"/>
+      </p:ext>
+    </p:extLst>
+  </p:cSld>
+  <p:clrMapOvr>
+    <a:masterClrMapping/>
+  </p:clrMapOvr>
+</p:sld>
+</file>
+
+<file path=ppt/slides/slide4.xml><?xml version="1.0" encoding="utf-8"?>
+<p:sld xmlns:a="http://schemas.openxmlformats.org/drawingml/2006/main" xmlns:r="http://schemas.openxmlformats.org/officeDocument/2006/relationships" xmlns:p="http://schemas.openxmlformats.org/presentationml/2006/main">
+  <p:cSld>
+    <p:spTree>
+      <p:nvGrpSpPr>
+        <p:cNvPr id="1" name=""/>
+        <p:cNvGrpSpPr/>
+        <p:nvPr/>
+      </p:nvGrpSpPr>
+      <p:grpSpPr>
+        <a:xfrm>
+          <a:off x="0" y="0"/>
+          <a:ext cx="0" cy="0"/>
+          <a:chOff x="0" y="0"/>
+          <a:chExt cx="0" cy="0"/>
+        </a:xfrm>
+      </p:grpSpPr>
+      <p:sp>
+        <p:nvSpPr>
+          <p:cNvPr id="2" name="Title 1">
+            <a:extLst>
+              <a:ext uri="{FF2B5EF4-FFF2-40B4-BE49-F238E27FC236}">
+                <a16:creationId xmlns:a16="http://schemas.microsoft.com/office/drawing/2014/main" id="{4D36CD02-4972-4746-B600-1E034A05C15D}"/>
+              </a:ext>
+            </a:extLst>
+          </p:cNvPr>
+          <p:cNvSpPr>
+            <a:spLocks noGrp="1"/>
+          </p:cNvSpPr>
+          <p:nvPr>
+            <p:ph type="title"/>
+          </p:nvPr>
+        </p:nvSpPr>
+        <p:spPr/>
+        <p:txBody>
+          <a:bodyPr/>
+          <a:lstStyle/>
+          <a:p>
+            <a:pPr algn="ctr"/>
+            <a:r>
+              <a:rPr lang="en-GB" dirty="0"/>
+              <a:t>Common Vulnerable Installed Packages</a:t>
+            </a:r>
+          </a:p>
+        </p:txBody>
+      </p:sp>
+      <p:sp>
+        <p:nvSpPr>
+          <p:cNvPr id="3" name="Content Placeholder 2">
+            <a:extLst>
+              <a:ext uri="{FF2B5EF4-FFF2-40B4-BE49-F238E27FC236}">
+                <a16:creationId xmlns:a16="http://schemas.microsoft.com/office/drawing/2014/main" id="{7C9C5EBC-ED42-4956-8DB2-BDED2175C35E}"/>
+              </a:ext>
+            </a:extLst>
+          </p:cNvPr>
+          <p:cNvSpPr>
+            <a:spLocks noGrp="1"/>
+          </p:cNvSpPr>
+          <p:nvPr>
+            <p:ph idx="1"/>
+          </p:nvPr>
+        </p:nvSpPr>
+        <p:spPr/>
+        <p:txBody>
+          <a:bodyPr>
+            <a:normAutofit/>
+          </a:bodyPr>
+          <a:lstStyle/>
+          <a:p>
+            <a:pPr marL="285750" indent="-285750">
+              <a:buFont typeface="Arial" panose="020B0604020202020204" pitchFamily="34" charset="0"/>
+              <a:buChar char="•"/>
+            </a:pPr>
+            <a:r>
+              <a:rPr lang="en-GB" sz="2400" dirty="0">
+                <a:latin typeface="Arial" panose="020B0604020202020204" pitchFamily="34" charset="0"/>
+                <a:cs typeface="Arial" panose="020B0604020202020204" pitchFamily="34" charset="0"/>
+              </a:rPr>
+              <a:t>Sudo (Not the stable version)</a:t>
+            </a:r>
+          </a:p>
+          <a:p>
+            <a:pPr marL="285750" indent="-285750">
+              <a:buFont typeface="Arial" panose="020B0604020202020204" pitchFamily="34" charset="0"/>
+              <a:buChar char="•"/>
+            </a:pPr>
+            <a:endParaRPr lang="en-GB" sz="2400" dirty="0">
+              <a:latin typeface="Arial" panose="020B0604020202020204" pitchFamily="34" charset="0"/>
+              <a:cs typeface="Arial" panose="020B0604020202020204" pitchFamily="34" charset="0"/>
+            </a:endParaRPr>
+          </a:p>
+          <a:p>
+            <a:pPr marL="285750" indent="-285750">
+              <a:buFont typeface="Arial" panose="020B0604020202020204" pitchFamily="34" charset="0"/>
+              <a:buChar char="•"/>
+            </a:pPr>
+            <a:r>
+              <a:rPr lang="en-GB" sz="2400" dirty="0">
+                <a:latin typeface="Arial" panose="020B0604020202020204" pitchFamily="34" charset="0"/>
+                <a:cs typeface="Arial" panose="020B0604020202020204" pitchFamily="34" charset="0"/>
+              </a:rPr>
+              <a:t>NMAP (With –interactive option)</a:t>
+            </a:r>
+          </a:p>
+          <a:p>
+            <a:pPr marL="285750" indent="-285750">
+              <a:buFont typeface="Arial" panose="020B0604020202020204" pitchFamily="34" charset="0"/>
+              <a:buChar char="•"/>
+            </a:pPr>
+            <a:endParaRPr lang="en-GB" sz="2400" dirty="0">
+              <a:latin typeface="Arial" panose="020B0604020202020204" pitchFamily="34" charset="0"/>
+              <a:cs typeface="Arial" panose="020B0604020202020204" pitchFamily="34" charset="0"/>
+            </a:endParaRPr>
+          </a:p>
+          <a:p>
+            <a:pPr marL="285750" indent="-285750">
+              <a:buFont typeface="Arial" panose="020B0604020202020204" pitchFamily="34" charset="0"/>
+              <a:buChar char="•"/>
+            </a:pPr>
+            <a:r>
+              <a:rPr lang="en-GB" sz="2400" dirty="0">
+                <a:latin typeface="Arial" panose="020B0604020202020204" pitchFamily="34" charset="0"/>
+                <a:cs typeface="Arial" panose="020B0604020202020204" pitchFamily="34" charset="0"/>
+              </a:rPr>
+              <a:t>Unknown binaries with root (Can be exfiltrated/reverse engineered)</a:t>
+            </a:r>
+          </a:p>
+        </p:txBody>
+      </p:sp>
+    </p:spTree>
+    <p:extLst>
+      <p:ext uri="{BB962C8B-B14F-4D97-AF65-F5344CB8AC3E}">
+        <p14:creationId xmlns:p14="http://schemas.microsoft.com/office/powerpoint/2010/main" val="2663620834"/>
+      </p:ext>
+    </p:extLst>
+  </p:cSld>
+  <p:clrMapOvr>
+    <a:masterClrMapping/>
+  </p:clrMapOvr>
+</p:sld>
+</file>
+
+<file path=ppt/slides/slide5.xml><?xml version="1.0" encoding="utf-8"?>
+<p:sld xmlns:a="http://schemas.openxmlformats.org/drawingml/2006/main" xmlns:r="http://schemas.openxmlformats.org/officeDocument/2006/relationships" xmlns:p="http://schemas.openxmlformats.org/presentationml/2006/main">
+  <p:cSld>
+    <p:spTree>
+      <p:nvGrpSpPr>
+        <p:cNvPr id="1" name=""/>
+        <p:cNvGrpSpPr/>
+        <p:nvPr/>
+      </p:nvGrpSpPr>
+      <p:grpSpPr>
+        <a:xfrm>
+          <a:off x="0" y="0"/>
+          <a:ext cx="0" cy="0"/>
+          <a:chOff x="0" y="0"/>
+          <a:chExt cx="0" cy="0"/>
+        </a:xfrm>
+      </p:grpSpPr>
+      <p:sp>
+        <p:nvSpPr>
+          <p:cNvPr id="2" name="Title 1">
+            <a:extLst>
+              <a:ext uri="{FF2B5EF4-FFF2-40B4-BE49-F238E27FC236}">
+                <a16:creationId xmlns:a16="http://schemas.microsoft.com/office/drawing/2014/main" id="{ED7D7D42-08EE-4EF9-9F37-87018F97868E}"/>
+              </a:ext>
+            </a:extLst>
+          </p:cNvPr>
+          <p:cNvSpPr>
+            <a:spLocks noGrp="1"/>
+          </p:cNvSpPr>
+          <p:nvPr>
+            <p:ph type="title"/>
+          </p:nvPr>
+        </p:nvSpPr>
+        <p:spPr/>
+        <p:txBody>
+          <a:bodyPr/>
+          <a:lstStyle/>
+          <a:p>
+            <a:pPr algn="ctr"/>
+            <a:r>
+              <a:rPr lang="en-GB" dirty="0"/>
+              <a:t>Plain-text Credentials</a:t>
+            </a:r>
+          </a:p>
+        </p:txBody>
+      </p:sp>
+      <p:sp>
+        <p:nvSpPr>
+          <p:cNvPr id="3" name="Content Placeholder 2">
+            <a:extLst>
+              <a:ext uri="{FF2B5EF4-FFF2-40B4-BE49-F238E27FC236}">
+                <a16:creationId xmlns:a16="http://schemas.microsoft.com/office/drawing/2014/main" id="{AC1C12E1-28B0-4BE9-9742-902F7A9FB472}"/>
+              </a:ext>
+            </a:extLst>
+          </p:cNvPr>
+          <p:cNvSpPr>
+            <a:spLocks noGrp="1"/>
+          </p:cNvSpPr>
+          <p:nvPr>
+            <p:ph idx="1"/>
+          </p:nvPr>
+        </p:nvSpPr>
+        <p:spPr/>
+        <p:txBody>
+          <a:bodyPr>
+            <a:noAutofit/>
+          </a:bodyPr>
+          <a:lstStyle/>
+          <a:p>
+            <a:pPr marL="285750" indent="-285750">
+              <a:buFont typeface="Arial" panose="020B0604020202020204" pitchFamily="34" charset="0"/>
+              <a:buChar char="•"/>
+            </a:pPr>
+            <a:r>
+              <a:rPr lang="en-GB" sz="2400" dirty="0">
+                <a:latin typeface="Arial" panose="020B0604020202020204" pitchFamily="34" charset="0"/>
+                <a:cs typeface="Arial" panose="020B0604020202020204" pitchFamily="34" charset="0"/>
+              </a:rPr>
+              <a:t>Written by accident and stored in history</a:t>
+            </a:r>
+          </a:p>
+          <a:p>
+            <a:pPr marL="285750" indent="-285750">
+              <a:buFont typeface="Arial" panose="020B0604020202020204" pitchFamily="34" charset="0"/>
+              <a:buChar char="•"/>
+            </a:pPr>
+            <a:endParaRPr lang="en-GB" sz="2400" dirty="0">
+              <a:latin typeface="Arial" panose="020B0604020202020204" pitchFamily="34" charset="0"/>
+              <a:cs typeface="Arial" panose="020B0604020202020204" pitchFamily="34" charset="0"/>
+            </a:endParaRPr>
+          </a:p>
+          <a:p>
+            <a:pPr marL="285750" indent="-285750">
+              <a:buFont typeface="Arial" panose="020B0604020202020204" pitchFamily="34" charset="0"/>
+              <a:buChar char="•"/>
+            </a:pPr>
+            <a:r>
+              <a:rPr lang="en-GB" sz="2400" dirty="0">
+                <a:latin typeface="Arial" panose="020B0604020202020204" pitchFamily="34" charset="0"/>
+                <a:cs typeface="Arial" panose="020B0604020202020204" pitchFamily="34" charset="0"/>
+              </a:rPr>
+              <a:t>Part of exposed configuration files</a:t>
+            </a:r>
+          </a:p>
+          <a:p>
+            <a:pPr marL="285750" indent="-285750">
+              <a:buFont typeface="Arial" panose="020B0604020202020204" pitchFamily="34" charset="0"/>
+              <a:buChar char="•"/>
+            </a:pPr>
+            <a:endParaRPr lang="en-GB" sz="2400" dirty="0">
+              <a:latin typeface="Arial" panose="020B0604020202020204" pitchFamily="34" charset="0"/>
+              <a:cs typeface="Arial" panose="020B0604020202020204" pitchFamily="34" charset="0"/>
+            </a:endParaRPr>
+          </a:p>
+          <a:p>
+            <a:pPr marL="285750" indent="-285750">
+              <a:buFont typeface="Arial" panose="020B0604020202020204" pitchFamily="34" charset="0"/>
+              <a:buChar char="•"/>
+            </a:pPr>
+            <a:r>
+              <a:rPr lang="en-GB" sz="2400" dirty="0">
+                <a:latin typeface="Arial" panose="020B0604020202020204" pitchFamily="34" charset="0"/>
+                <a:cs typeface="Arial" panose="020B0604020202020204" pitchFamily="34" charset="0"/>
+              </a:rPr>
+              <a:t>Hardcoded passwords for specific services which could be vulnerable to re-use of credentials in other aspects such as root.</a:t>
+            </a:r>
+          </a:p>
+        </p:txBody>
+      </p:sp>
+    </p:spTree>
+    <p:extLst>
+      <p:ext uri="{BB962C8B-B14F-4D97-AF65-F5344CB8AC3E}">
+        <p14:creationId xmlns:p14="http://schemas.microsoft.com/office/powerpoint/2010/main" val="3297924093"/>
+      </p:ext>
+    </p:extLst>
+  </p:cSld>
+  <p:clrMapOvr>
+    <a:masterClrMapping/>
+  </p:clrMapOvr>
+</p:sld>
+</file>
+
+<file path=ppt/slides/slide6.xml><?xml version="1.0" encoding="utf-8"?>
+<p:sld xmlns:a="http://schemas.openxmlformats.org/drawingml/2006/main" xmlns:r="http://schemas.openxmlformats.org/officeDocument/2006/relationships" xmlns:p="http://schemas.openxmlformats.org/presentationml/2006/main">
+  <p:cSld>
+    <p:spTree>
+      <p:nvGrpSpPr>
+        <p:cNvPr id="1" name=""/>
+        <p:cNvGrpSpPr/>
+        <p:nvPr/>
+      </p:nvGrpSpPr>
+      <p:grpSpPr>
+        <a:xfrm>
+          <a:off x="0" y="0"/>
+          <a:ext cx="0" cy="0"/>
+          <a:chOff x="0" y="0"/>
+          <a:chExt cx="0" cy="0"/>
+        </a:xfrm>
+      </p:grpSpPr>
+      <p:sp>
+        <p:nvSpPr>
+          <p:cNvPr id="2" name="Title 1">
+            <a:extLst>
+              <a:ext uri="{FF2B5EF4-FFF2-40B4-BE49-F238E27FC236}">
+                <a16:creationId xmlns:a16="http://schemas.microsoft.com/office/drawing/2014/main" id="{E4574F05-A6A8-4353-89F3-DABB275CF96C}"/>
+              </a:ext>
+            </a:extLst>
+          </p:cNvPr>
+          <p:cNvSpPr>
+            <a:spLocks noGrp="1"/>
+          </p:cNvSpPr>
+          <p:nvPr>
+            <p:ph type="title"/>
+          </p:nvPr>
+        </p:nvSpPr>
+        <p:spPr>
+          <a:xfrm>
+            <a:off x="218114" y="705113"/>
+            <a:ext cx="3836777" cy="5197498"/>
+          </a:xfrm>
+        </p:spPr>
+        <p:txBody>
+          <a:bodyPr/>
+          <a:lstStyle/>
+          <a:p>
+            <a:pPr algn="ctr"/>
+            <a:r>
+              <a:rPr lang="en-GB" dirty="0"/>
+              <a:t>Escaping Restricted Environments</a:t>
+            </a:r>
+          </a:p>
+        </p:txBody>
+      </p:sp>
+      <p:sp>
+        <p:nvSpPr>
+          <p:cNvPr id="3" name="Content Placeholder 2">
+            <a:extLst>
+              <a:ext uri="{FF2B5EF4-FFF2-40B4-BE49-F238E27FC236}">
+                <a16:creationId xmlns:a16="http://schemas.microsoft.com/office/drawing/2014/main" id="{94390154-3979-4D6F-8271-2FAA770254ED}"/>
+              </a:ext>
+            </a:extLst>
+          </p:cNvPr>
+          <p:cNvSpPr>
+            <a:spLocks noGrp="1"/>
+          </p:cNvSpPr>
+          <p:nvPr>
+            <p:ph idx="1"/>
+          </p:nvPr>
+        </p:nvSpPr>
+        <p:spPr/>
+        <p:txBody>
+          <a:bodyPr>
+            <a:noAutofit/>
+          </a:bodyPr>
+          <a:lstStyle/>
+          <a:p>
+            <a:pPr marL="285750" indent="-285750">
+              <a:buFont typeface="Arial" panose="020B0604020202020204" pitchFamily="34" charset="0"/>
+              <a:buChar char="•"/>
+            </a:pPr>
+            <a:r>
+              <a:rPr lang="en-GB" sz="2400" dirty="0">
+                <a:latin typeface="Arial" panose="020B0604020202020204" pitchFamily="34" charset="0"/>
+                <a:cs typeface="Arial" panose="020B0604020202020204" pitchFamily="34" charset="0"/>
+              </a:rPr>
+              <a:t>When faced with an account intentionally restricting access, if the restriction is bypassed; privilege escalation can be pursued</a:t>
+            </a:r>
+          </a:p>
+          <a:p>
+            <a:pPr marL="285750" indent="-285750">
+              <a:buFont typeface="Arial" panose="020B0604020202020204" pitchFamily="34" charset="0"/>
+              <a:buChar char="•"/>
+            </a:pPr>
+            <a:endParaRPr lang="en-GB" sz="2400" dirty="0">
+              <a:latin typeface="Arial" panose="020B0604020202020204" pitchFamily="34" charset="0"/>
+              <a:cs typeface="Arial" panose="020B0604020202020204" pitchFamily="34" charset="0"/>
+            </a:endParaRPr>
+          </a:p>
+          <a:p>
+            <a:pPr marL="285750" indent="-285750">
+              <a:buFont typeface="Arial" panose="020B0604020202020204" pitchFamily="34" charset="0"/>
+              <a:buChar char="•"/>
+            </a:pPr>
+            <a:r>
+              <a:rPr lang="en-GB" sz="2400" dirty="0">
+                <a:latin typeface="Arial" panose="020B0604020202020204" pitchFamily="34" charset="0"/>
+                <a:cs typeface="Arial" panose="020B0604020202020204" pitchFamily="34" charset="0"/>
+              </a:rPr>
+              <a:t>There are different types of restricted environments such as hard-coded scripts and </a:t>
+            </a:r>
+            <a:r>
+              <a:rPr lang="en-GB" sz="2400" dirty="0" err="1">
+                <a:latin typeface="Arial" panose="020B0604020202020204" pitchFamily="34" charset="0"/>
+                <a:cs typeface="Arial" panose="020B0604020202020204" pitchFamily="34" charset="0"/>
+              </a:rPr>
+              <a:t>rbash</a:t>
+            </a:r>
+            <a:r>
+              <a:rPr lang="en-GB" sz="2400" dirty="0">
+                <a:latin typeface="Arial" panose="020B0604020202020204" pitchFamily="34" charset="0"/>
+                <a:cs typeface="Arial" panose="020B0604020202020204" pitchFamily="34" charset="0"/>
+              </a:rPr>
+              <a:t> instances (Separate talk on escaping these.)</a:t>
+            </a:r>
+          </a:p>
+        </p:txBody>
+      </p:sp>
+    </p:spTree>
+    <p:extLst>
+      <p:ext uri="{BB962C8B-B14F-4D97-AF65-F5344CB8AC3E}">
+        <p14:creationId xmlns:p14="http://schemas.microsoft.com/office/powerpoint/2010/main" val="2395014194"/>
+      </p:ext>
+    </p:extLst>
+  </p:cSld>
+  <p:clrMapOvr>
+    <a:masterClrMapping/>
+  </p:clrMapOvr>
+</p:sld>
+</file>
+
+<file path=ppt/slides/slide7.xml><?xml version="1.0" encoding="utf-8"?>
+<p:sld xmlns:a="http://schemas.openxmlformats.org/drawingml/2006/main" xmlns:r="http://schemas.openxmlformats.org/officeDocument/2006/relationships" xmlns:p="http://schemas.openxmlformats.org/presentationml/2006/main">
+  <p:cSld>
+    <p:spTree>
+      <p:nvGrpSpPr>
+        <p:cNvPr id="1" name=""/>
+        <p:cNvGrpSpPr/>
+        <p:nvPr/>
+      </p:nvGrpSpPr>
+      <p:grpSpPr>
+        <a:xfrm>
+          <a:off x="0" y="0"/>
+          <a:ext cx="0" cy="0"/>
+          <a:chOff x="0" y="0"/>
+          <a:chExt cx="0" cy="0"/>
+        </a:xfrm>
+      </p:grpSpPr>
+      <p:sp>
+        <p:nvSpPr>
+          <p:cNvPr id="2" name="Title 1">
+            <a:extLst>
+              <a:ext uri="{FF2B5EF4-FFF2-40B4-BE49-F238E27FC236}">
+                <a16:creationId xmlns:a16="http://schemas.microsoft.com/office/drawing/2014/main" id="{4900006D-AEC6-4C64-AF9E-824F13E4CDF5}"/>
+              </a:ext>
+            </a:extLst>
+          </p:cNvPr>
+          <p:cNvSpPr>
+            <a:spLocks noGrp="1"/>
+          </p:cNvSpPr>
+          <p:nvPr>
+            <p:ph type="title"/>
+          </p:nvPr>
+        </p:nvSpPr>
+        <p:spPr>
+          <a:xfrm>
+            <a:off x="642918" y="705113"/>
+            <a:ext cx="3878748" cy="5197498"/>
+          </a:xfrm>
+        </p:spPr>
+        <p:txBody>
+          <a:bodyPr/>
+          <a:lstStyle/>
+          <a:p>
+            <a:pPr algn="ctr"/>
+            <a:r>
+              <a:rPr lang="en-GB" dirty="0"/>
+              <a:t>Misconfigured groups permissions</a:t>
+            </a:r>
+          </a:p>
+        </p:txBody>
+      </p:sp>
+      <p:sp>
+        <p:nvSpPr>
+          <p:cNvPr id="3" name="Content Placeholder 2">
+            <a:extLst>
+              <a:ext uri="{FF2B5EF4-FFF2-40B4-BE49-F238E27FC236}">
+                <a16:creationId xmlns:a16="http://schemas.microsoft.com/office/drawing/2014/main" id="{61CCD775-C23D-41F2-99EC-73CC42DD3F85}"/>
+              </a:ext>
+            </a:extLst>
+          </p:cNvPr>
+          <p:cNvSpPr>
+            <a:spLocks noGrp="1"/>
+          </p:cNvSpPr>
+          <p:nvPr>
+            <p:ph idx="1"/>
+          </p:nvPr>
+        </p:nvSpPr>
+        <p:spPr/>
+        <p:txBody>
+          <a:bodyPr>
+            <a:normAutofit/>
+          </a:bodyPr>
+          <a:lstStyle/>
+          <a:p>
+            <a:pPr marL="285750" indent="-285750">
+              <a:buFont typeface="Arial" panose="020B0604020202020204" pitchFamily="34" charset="0"/>
+              <a:buChar char="•"/>
+            </a:pPr>
+            <a:r>
+              <a:rPr lang="en-GB" sz="2400" dirty="0">
+                <a:latin typeface="Arial" panose="020B0604020202020204" pitchFamily="34" charset="0"/>
+                <a:cs typeface="Arial" panose="020B0604020202020204" pitchFamily="34" charset="0"/>
+              </a:rPr>
+              <a:t>If the user is added to unnecessary groups such as </a:t>
+            </a:r>
+            <a:r>
+              <a:rPr lang="en-GB" sz="2400" dirty="0" err="1">
+                <a:latin typeface="Arial" panose="020B0604020202020204" pitchFamily="34" charset="0"/>
+                <a:cs typeface="Arial" panose="020B0604020202020204" pitchFamily="34" charset="0"/>
+              </a:rPr>
+              <a:t>tcpdump</a:t>
+            </a:r>
+            <a:r>
+              <a:rPr lang="en-GB" sz="2400" dirty="0">
+                <a:latin typeface="Arial" panose="020B0604020202020204" pitchFamily="34" charset="0"/>
+                <a:cs typeface="Arial" panose="020B0604020202020204" pitchFamily="34" charset="0"/>
+              </a:rPr>
+              <a:t>, </a:t>
+            </a:r>
+            <a:r>
+              <a:rPr lang="en-GB" sz="2400" dirty="0" err="1">
+                <a:latin typeface="Arial" panose="020B0604020202020204" pitchFamily="34" charset="0"/>
+                <a:cs typeface="Arial" panose="020B0604020202020204" pitchFamily="34" charset="0"/>
+              </a:rPr>
+              <a:t>wireshark</a:t>
+            </a:r>
+            <a:r>
+              <a:rPr lang="en-GB" sz="2400" dirty="0">
+                <a:latin typeface="Arial" panose="020B0604020202020204" pitchFamily="34" charset="0"/>
+                <a:cs typeface="Arial" panose="020B0604020202020204" pitchFamily="34" charset="0"/>
+              </a:rPr>
+              <a:t>, sudo they can escalate privileges</a:t>
+            </a:r>
+          </a:p>
+        </p:txBody>
+      </p:sp>
+    </p:spTree>
+    <p:extLst>
+      <p:ext uri="{BB962C8B-B14F-4D97-AF65-F5344CB8AC3E}">
+        <p14:creationId xmlns:p14="http://schemas.microsoft.com/office/powerpoint/2010/main" val="3372776055"/>
+      </p:ext>
+    </p:extLst>
+  </p:cSld>
+  <p:clrMapOvr>
+    <a:masterClrMapping/>
+  </p:clrMapOvr>
+</p:sld>
+</file>
+
+<file path=ppt/slides/slide8.xml><?xml version="1.0" encoding="utf-8"?>
+<p:sld xmlns:a="http://schemas.openxmlformats.org/drawingml/2006/main" xmlns:r="http://schemas.openxmlformats.org/officeDocument/2006/relationships" xmlns:p="http://schemas.openxmlformats.org/presentationml/2006/main">
+  <p:cSld>
+    <p:spTree>
+      <p:nvGrpSpPr>
+        <p:cNvPr id="1" name=""/>
+        <p:cNvGrpSpPr/>
+        <p:nvPr/>
+      </p:nvGrpSpPr>
+      <p:grpSpPr>
+        <a:xfrm>
+          <a:off x="0" y="0"/>
+          <a:ext cx="0" cy="0"/>
+          <a:chOff x="0" y="0"/>
+          <a:chExt cx="0" cy="0"/>
+        </a:xfrm>
+      </p:grpSpPr>
+      <p:sp>
+        <p:nvSpPr>
+          <p:cNvPr id="2" name="Title 1">
+            <a:extLst>
+              <a:ext uri="{FF2B5EF4-FFF2-40B4-BE49-F238E27FC236}">
+                <a16:creationId xmlns:a16="http://schemas.microsoft.com/office/drawing/2014/main" id="{1964DA91-6503-4AE5-9E11-56A35E451E8C}"/>
+              </a:ext>
+            </a:extLst>
+          </p:cNvPr>
+          <p:cNvSpPr>
+            <a:spLocks noGrp="1"/>
+          </p:cNvSpPr>
+          <p:nvPr>
+            <p:ph type="title"/>
+          </p:nvPr>
+        </p:nvSpPr>
+        <p:spPr>
+          <a:xfrm>
+            <a:off x="642918" y="705113"/>
+            <a:ext cx="3895526" cy="5197498"/>
+          </a:xfrm>
+        </p:spPr>
+        <p:txBody>
+          <a:bodyPr/>
+          <a:lstStyle/>
+          <a:p>
+            <a:pPr algn="ctr"/>
+            <a:r>
+              <a:rPr lang="en-GB" dirty="0"/>
+              <a:t>Misconfigured SUID binaries</a:t>
+            </a:r>
+          </a:p>
+        </p:txBody>
+      </p:sp>
+      <p:sp>
+        <p:nvSpPr>
+          <p:cNvPr id="3" name="Content Placeholder 2">
+            <a:extLst>
+              <a:ext uri="{FF2B5EF4-FFF2-40B4-BE49-F238E27FC236}">
+                <a16:creationId xmlns:a16="http://schemas.microsoft.com/office/drawing/2014/main" id="{07D92914-8F63-4EC1-85F4-4D803A815CFF}"/>
+              </a:ext>
+            </a:extLst>
+          </p:cNvPr>
+          <p:cNvSpPr>
+            <a:spLocks noGrp="1"/>
+          </p:cNvSpPr>
+          <p:nvPr>
+            <p:ph idx="1"/>
+          </p:nvPr>
+        </p:nvSpPr>
+        <p:spPr/>
+        <p:txBody>
+          <a:bodyPr/>
+          <a:lstStyle/>
+          <a:p>
+            <a:pPr marL="285750" indent="-285750">
+              <a:buFont typeface="Arial" panose="020B0604020202020204" pitchFamily="34" charset="0"/>
+              <a:buChar char="•"/>
+            </a:pPr>
+            <a:r>
+              <a:rPr lang="en-GB" dirty="0"/>
+              <a:t>SUID binaries are binaries which are given root permissions when being used.</a:t>
+            </a:r>
+          </a:p>
+          <a:p>
+            <a:pPr marL="285750" indent="-285750">
+              <a:buFont typeface="Arial" panose="020B0604020202020204" pitchFamily="34" charset="0"/>
+              <a:buChar char="•"/>
+            </a:pPr>
+            <a:endParaRPr lang="en-GB" dirty="0"/>
+          </a:p>
+          <a:p>
+            <a:pPr marL="285750" indent="-285750">
+              <a:buFont typeface="Arial" panose="020B0604020202020204" pitchFamily="34" charset="0"/>
+              <a:buChar char="•"/>
+            </a:pPr>
+            <a:r>
+              <a:rPr lang="en-GB" dirty="0"/>
+              <a:t>Certain binaries which have publicly available exploits and SUID permissions can lead to privilege escalation.</a:t>
+            </a:r>
+          </a:p>
+        </p:txBody>
+      </p:sp>
+    </p:spTree>
+    <p:extLst>
+      <p:ext uri="{BB962C8B-B14F-4D97-AF65-F5344CB8AC3E}">
+        <p14:creationId xmlns:p14="http://schemas.microsoft.com/office/powerpoint/2010/main" val="3884170687"/>
+      </p:ext>
+    </p:extLst>
+  </p:cSld>
+  <p:clrMapOvr>
+    <a:masterClrMapping/>
+  </p:clrMapOvr>
+</p:sld>
+</file>
+
+<file path=ppt/slides/slide9.xml><?xml version="1.0" encoding="utf-8"?>
+<p:sld xmlns:a="http://schemas.openxmlformats.org/drawingml/2006/main" xmlns:r="http://schemas.openxmlformats.org/officeDocument/2006/relationships" xmlns:p="http://schemas.openxmlformats.org/presentationml/2006/main">
+  <p:cSld>
+    <p:spTree>
+      <p:nvGrpSpPr>
+        <p:cNvPr id="1" name=""/>
+        <p:cNvGrpSpPr/>
+        <p:nvPr/>
+      </p:nvGrpSpPr>
+      <p:grpSpPr>
+        <a:xfrm>
+          <a:off x="0" y="0"/>
+          <a:ext cx="0" cy="0"/>
+          <a:chOff x="0" y="0"/>
+          <a:chExt cx="0" cy="0"/>
+        </a:xfrm>
+      </p:grpSpPr>
+      <p:sp>
+        <p:nvSpPr>
+          <p:cNvPr id="2" name="Title 1">
+            <a:extLst>
+              <a:ext uri="{FF2B5EF4-FFF2-40B4-BE49-F238E27FC236}">
+                <a16:creationId xmlns:a16="http://schemas.microsoft.com/office/drawing/2014/main" id="{DC706710-35D1-4CBE-9ED2-830EA8E0141C}"/>
+              </a:ext>
+            </a:extLst>
+          </p:cNvPr>
+          <p:cNvSpPr>
+            <a:spLocks noGrp="1"/>
+          </p:cNvSpPr>
+          <p:nvPr>
+            <p:ph type="title"/>
+          </p:nvPr>
+        </p:nvSpPr>
+        <p:spPr/>
+        <p:txBody>
+          <a:bodyPr/>
+          <a:lstStyle/>
+          <a:p>
+            <a:pPr algn="ctr"/>
+            <a:r>
+              <a:rPr lang="en-GB" dirty="0"/>
+              <a:t>Root processes</a:t>
+            </a:r>
+          </a:p>
+        </p:txBody>
+      </p:sp>
+      <p:sp>
+        <p:nvSpPr>
+          <p:cNvPr id="3" name="Content Placeholder 2">
+            <a:extLst>
+              <a:ext uri="{FF2B5EF4-FFF2-40B4-BE49-F238E27FC236}">
+                <a16:creationId xmlns:a16="http://schemas.microsoft.com/office/drawing/2014/main" id="{B976D297-A7FD-470D-8965-61AD70E8E0F5}"/>
+              </a:ext>
+            </a:extLst>
+          </p:cNvPr>
+          <p:cNvSpPr>
+            <a:spLocks noGrp="1"/>
+          </p:cNvSpPr>
+          <p:nvPr>
+            <p:ph idx="1"/>
+          </p:nvPr>
+        </p:nvSpPr>
+        <p:spPr/>
+        <p:txBody>
+          <a:bodyPr/>
+          <a:lstStyle/>
+          <a:p>
+            <a:r>
+              <a:rPr lang="en-GB" sz="2400" dirty="0">
+                <a:solidFill>
+                  <a:schemeClr val="tx1"/>
+                </a:solidFill>
+                <a:latin typeface="Arial" panose="020B0604020202020204" pitchFamily="34" charset="0"/>
+                <a:cs typeface="Arial" panose="020B0604020202020204" pitchFamily="34" charset="0"/>
+              </a:rPr>
+              <a:t>Internal processes running as root such as MySQL can be exploited in the event of a public exploit</a:t>
+            </a:r>
+          </a:p>
+          <a:p>
+            <a:endParaRPr lang="en-GB" sz="2400" dirty="0">
+              <a:solidFill>
+                <a:schemeClr val="tx1"/>
+              </a:solidFill>
+              <a:latin typeface="Arial" panose="020B0604020202020204" pitchFamily="34" charset="0"/>
+              <a:cs typeface="Arial" panose="020B0604020202020204" pitchFamily="34" charset="0"/>
+            </a:endParaRPr>
+          </a:p>
+          <a:p>
+            <a:r>
+              <a:rPr lang="en-GB" sz="2400" dirty="0">
+                <a:solidFill>
+                  <a:schemeClr val="tx1"/>
+                </a:solidFill>
+                <a:latin typeface="Arial" panose="020B0604020202020204" pitchFamily="34" charset="0"/>
+                <a:cs typeface="Arial" panose="020B0604020202020204" pitchFamily="34" charset="0"/>
+              </a:rPr>
+              <a:t>Due to their process running as root, the result of an exploit will mean root access</a:t>
+            </a:r>
+            <a:endParaRPr lang="en-GB" dirty="0">
+              <a:solidFill>
+                <a:schemeClr val="tx1"/>
+              </a:solidFill>
+            </a:endParaRPr>
+          </a:p>
+        </p:txBody>
+      </p:sp>
+    </p:spTree>
+    <p:extLst>
+      <p:ext uri="{BB962C8B-B14F-4D97-AF65-F5344CB8AC3E}">
+        <p14:creationId xmlns:p14="http://schemas.microsoft.com/office/powerpoint/2010/main" val="94020764"/>
       </p:ext>
     </p:extLst>
   </p:cSld>
